--- a/CSI2008 Programming in JAVA/Reference Materials/Advanced JAVA/JFX part.pptx
+++ b/CSI2008 Programming in JAVA/Reference Materials/Advanced JAVA/JFX part.pptx
@@ -2,25 +2,25 @@
 <file path=ppt/presentation.xml><?xml version="1.0" encoding="utf-8"?>
 <p:presentation xmlns:a="http://schemas.openxmlformats.org/drawingml/2006/main" xmlns:r="http://schemas.openxmlformats.org/officeDocument/2006/relationships" xmlns:p="http://schemas.openxmlformats.org/presentationml/2006/main" saveSubsetFonts="1">
   <p:sldMasterIdLst>
-    <p:sldMasterId id="2147483660" r:id="rId4"/>
+    <p:sldMasterId id="2147483660" r:id="rId1"/>
   </p:sldMasterIdLst>
   <p:notesMasterIdLst>
-    <p:notesMasterId r:id="rId18"/>
+    <p:notesMasterId r:id="rId15"/>
   </p:notesMasterIdLst>
   <p:sldIdLst>
-    <p:sldId id="256" r:id="rId5"/>
-    <p:sldId id="257" r:id="rId6"/>
-    <p:sldId id="258" r:id="rId7"/>
-    <p:sldId id="259" r:id="rId8"/>
-    <p:sldId id="260" r:id="rId9"/>
-    <p:sldId id="261" r:id="rId10"/>
-    <p:sldId id="262" r:id="rId11"/>
-    <p:sldId id="263" r:id="rId12"/>
-    <p:sldId id="264" r:id="rId13"/>
-    <p:sldId id="265" r:id="rId14"/>
-    <p:sldId id="267" r:id="rId15"/>
-    <p:sldId id="266" r:id="rId16"/>
-    <p:sldId id="268" r:id="rId17"/>
+    <p:sldId id="256" r:id="rId2"/>
+    <p:sldId id="257" r:id="rId3"/>
+    <p:sldId id="258" r:id="rId4"/>
+    <p:sldId id="259" r:id="rId5"/>
+    <p:sldId id="260" r:id="rId6"/>
+    <p:sldId id="261" r:id="rId7"/>
+    <p:sldId id="262" r:id="rId8"/>
+    <p:sldId id="263" r:id="rId9"/>
+    <p:sldId id="264" r:id="rId10"/>
+    <p:sldId id="265" r:id="rId11"/>
+    <p:sldId id="267" r:id="rId12"/>
+    <p:sldId id="266" r:id="rId13"/>
+    <p:sldId id="268" r:id="rId14"/>
   </p:sldIdLst>
   <p:sldSz cx="9144000" cy="6858000" type="screen4x3"/>
   <p:notesSz cx="6858000" cy="9144000"/>
@@ -284,35 +284,35 @@
           <a:p>
             <a:pPr lvl="0"/>
             <a:r>
-              <a:rPr lang="en-US"/>
+              <a:rPr lang="en-US" smtClean="0"/>
               <a:t>Click to edit Master text styles</a:t>
             </a:r>
           </a:p>
           <a:p>
             <a:pPr lvl="1"/>
             <a:r>
-              <a:rPr lang="en-US"/>
+              <a:rPr lang="en-US" smtClean="0"/>
               <a:t>Second level</a:t>
             </a:r>
           </a:p>
           <a:p>
             <a:pPr lvl="2"/>
             <a:r>
-              <a:rPr lang="en-US"/>
+              <a:rPr lang="en-US" smtClean="0"/>
               <a:t>Third level</a:t>
             </a:r>
           </a:p>
           <a:p>
             <a:pPr lvl="3"/>
             <a:r>
-              <a:rPr lang="en-US"/>
+              <a:rPr lang="en-US" smtClean="0"/>
               <a:t>Fourth level</a:t>
             </a:r>
           </a:p>
           <a:p>
             <a:pPr lvl="4"/>
             <a:r>
-              <a:rPr lang="en-US"/>
+              <a:rPr lang="en-US" smtClean="0"/>
               <a:t>Fifth level</a:t>
             </a:r>
             <a:endParaRPr lang="en-IN"/>
@@ -658,9 +658,10 @@
           </a:lstStyle>
           <a:p>
             <a:r>
-              <a:rPr kumimoji="0" lang="en-US"/>
+              <a:rPr kumimoji="0" lang="en-US" smtClean="0"/>
               <a:t>Click to edit Master subtitle style</a:t>
             </a:r>
+            <a:endParaRPr kumimoji="0" lang="en-US"/>
           </a:p>
         </p:txBody>
       </p:sp>
@@ -912,9 +913,10 @@
           </a:lstStyle>
           <a:p>
             <a:r>
-              <a:rPr kumimoji="0" lang="en-US"/>
+              <a:rPr kumimoji="0" lang="en-US" smtClean="0"/>
               <a:t>Click to edit Master title style</a:t>
             </a:r>
+            <a:endParaRPr kumimoji="0" lang="en-US"/>
           </a:p>
         </p:txBody>
       </p:sp>
@@ -959,9 +961,10 @@
           <a:lstStyle/>
           <a:p>
             <a:r>
-              <a:rPr kumimoji="0" lang="en-US"/>
+              <a:rPr kumimoji="0" lang="en-US" smtClean="0"/>
               <a:t>Click to edit Master title style</a:t>
             </a:r>
+            <a:endParaRPr kumimoji="0" lang="en-US"/>
           </a:p>
         </p:txBody>
       </p:sp>
@@ -982,35 +985,35 @@
           <a:p>
             <a:pPr lvl="0" eaLnBrk="1" latinLnBrk="0" hangingPunct="1"/>
             <a:r>
-              <a:rPr lang="en-US"/>
+              <a:rPr lang="en-US" smtClean="0"/>
               <a:t>Click to edit Master text styles</a:t>
             </a:r>
           </a:p>
           <a:p>
             <a:pPr lvl="1" eaLnBrk="1" latinLnBrk="0" hangingPunct="1"/>
             <a:r>
-              <a:rPr lang="en-US"/>
+              <a:rPr lang="en-US" smtClean="0"/>
               <a:t>Second level</a:t>
             </a:r>
           </a:p>
           <a:p>
             <a:pPr lvl="2" eaLnBrk="1" latinLnBrk="0" hangingPunct="1"/>
             <a:r>
-              <a:rPr lang="en-US"/>
+              <a:rPr lang="en-US" smtClean="0"/>
               <a:t>Third level</a:t>
             </a:r>
           </a:p>
           <a:p>
             <a:pPr lvl="3" eaLnBrk="1" latinLnBrk="0" hangingPunct="1"/>
             <a:r>
-              <a:rPr lang="en-US"/>
+              <a:rPr lang="en-US" smtClean="0"/>
               <a:t>Fourth level</a:t>
             </a:r>
           </a:p>
           <a:p>
             <a:pPr lvl="4" eaLnBrk="1" latinLnBrk="0" hangingPunct="1"/>
             <a:r>
-              <a:rPr lang="en-US"/>
+              <a:rPr lang="en-US" smtClean="0"/>
               <a:t>Fifth level</a:t>
             </a:r>
             <a:endParaRPr kumimoji="0" lang="en-US"/>
@@ -1130,9 +1133,10 @@
           <a:lstStyle/>
           <a:p>
             <a:r>
-              <a:rPr kumimoji="0" lang="en-US"/>
+              <a:rPr kumimoji="0" lang="en-US" smtClean="0"/>
               <a:t>Click to edit Master title style</a:t>
             </a:r>
+            <a:endParaRPr kumimoji="0" lang="en-US"/>
           </a:p>
         </p:txBody>
       </p:sp>
@@ -1158,35 +1162,35 @@
           <a:p>
             <a:pPr lvl="0" eaLnBrk="1" latinLnBrk="0" hangingPunct="1"/>
             <a:r>
-              <a:rPr lang="en-US"/>
+              <a:rPr lang="en-US" smtClean="0"/>
               <a:t>Click to edit Master text styles</a:t>
             </a:r>
           </a:p>
           <a:p>
             <a:pPr lvl="1" eaLnBrk="1" latinLnBrk="0" hangingPunct="1"/>
             <a:r>
-              <a:rPr lang="en-US"/>
+              <a:rPr lang="en-US" smtClean="0"/>
               <a:t>Second level</a:t>
             </a:r>
           </a:p>
           <a:p>
             <a:pPr lvl="2" eaLnBrk="1" latinLnBrk="0" hangingPunct="1"/>
             <a:r>
-              <a:rPr lang="en-US"/>
+              <a:rPr lang="en-US" smtClean="0"/>
               <a:t>Third level</a:t>
             </a:r>
           </a:p>
           <a:p>
             <a:pPr lvl="3" eaLnBrk="1" latinLnBrk="0" hangingPunct="1"/>
             <a:r>
-              <a:rPr lang="en-US"/>
+              <a:rPr lang="en-US" smtClean="0"/>
               <a:t>Fourth level</a:t>
             </a:r>
           </a:p>
           <a:p>
             <a:pPr lvl="4" eaLnBrk="1" latinLnBrk="0" hangingPunct="1"/>
             <a:r>
-              <a:rPr lang="en-US"/>
+              <a:rPr lang="en-US" smtClean="0"/>
               <a:t>Fifth level</a:t>
             </a:r>
             <a:endParaRPr kumimoji="0" lang="en-US"/>
@@ -1301,9 +1305,10 @@
           <a:lstStyle/>
           <a:p>
             <a:r>
-              <a:rPr kumimoji="0" lang="en-US"/>
+              <a:rPr kumimoji="0" lang="en-US" smtClean="0"/>
               <a:t>Click to edit Master title style</a:t>
             </a:r>
+            <a:endParaRPr kumimoji="0" lang="en-US"/>
           </a:p>
         </p:txBody>
       </p:sp>
@@ -1396,35 +1401,35 @@
           <a:p>
             <a:pPr lvl="0" eaLnBrk="1" latinLnBrk="0" hangingPunct="1"/>
             <a:r>
-              <a:rPr lang="en-US"/>
+              <a:rPr lang="en-US" smtClean="0"/>
               <a:t>Click to edit Master text styles</a:t>
             </a:r>
           </a:p>
           <a:p>
             <a:pPr lvl="1" eaLnBrk="1" latinLnBrk="0" hangingPunct="1"/>
             <a:r>
-              <a:rPr lang="en-US"/>
+              <a:rPr lang="en-US" smtClean="0"/>
               <a:t>Second level</a:t>
             </a:r>
           </a:p>
           <a:p>
             <a:pPr lvl="2" eaLnBrk="1" latinLnBrk="0" hangingPunct="1"/>
             <a:r>
-              <a:rPr lang="en-US"/>
+              <a:rPr lang="en-US" smtClean="0"/>
               <a:t>Third level</a:t>
             </a:r>
           </a:p>
           <a:p>
             <a:pPr lvl="3" eaLnBrk="1" latinLnBrk="0" hangingPunct="1"/>
             <a:r>
-              <a:rPr lang="en-US"/>
+              <a:rPr lang="en-US" smtClean="0"/>
               <a:t>Fourth level</a:t>
             </a:r>
           </a:p>
           <a:p>
             <a:pPr lvl="4" eaLnBrk="1" latinLnBrk="0" hangingPunct="1"/>
             <a:r>
-              <a:rPr lang="en-US"/>
+              <a:rPr lang="en-US" smtClean="0"/>
               <a:t>Fifth level</a:t>
             </a:r>
             <a:endParaRPr kumimoji="0" lang="en-US"/>
@@ -1581,9 +1586,10 @@
           </a:lstStyle>
           <a:p>
             <a:r>
-              <a:rPr kumimoji="0" lang="en-US"/>
+              <a:rPr kumimoji="0" lang="en-US" smtClean="0"/>
               <a:t>Click to edit Master title style</a:t>
             </a:r>
+            <a:endParaRPr kumimoji="0" lang="en-US"/>
           </a:p>
         </p:txBody>
       </p:sp>
@@ -1660,7 +1666,7 @@
           <a:p>
             <a:pPr lvl="0" eaLnBrk="1" latinLnBrk="0" hangingPunct="1"/>
             <a:r>
-              <a:rPr kumimoji="0" lang="en-US"/>
+              <a:rPr kumimoji="0" lang="en-US" smtClean="0"/>
               <a:t>Click to edit Master text styles</a:t>
             </a:r>
           </a:p>
@@ -1926,9 +1932,10 @@
           <a:lstStyle/>
           <a:p>
             <a:r>
-              <a:rPr kumimoji="0" lang="en-US"/>
+              <a:rPr kumimoji="0" lang="en-US" smtClean="0"/>
               <a:t>Click to edit Master title style</a:t>
             </a:r>
+            <a:endParaRPr kumimoji="0" lang="en-US"/>
           </a:p>
         </p:txBody>
       </p:sp>
@@ -2021,35 +2028,35 @@
           <a:p>
             <a:pPr lvl="0" eaLnBrk="1" latinLnBrk="0" hangingPunct="1"/>
             <a:r>
-              <a:rPr lang="en-US"/>
+              <a:rPr lang="en-US" smtClean="0"/>
               <a:t>Click to edit Master text styles</a:t>
             </a:r>
           </a:p>
           <a:p>
             <a:pPr lvl="1" eaLnBrk="1" latinLnBrk="0" hangingPunct="1"/>
             <a:r>
-              <a:rPr lang="en-US"/>
+              <a:rPr lang="en-US" smtClean="0"/>
               <a:t>Second level</a:t>
             </a:r>
           </a:p>
           <a:p>
             <a:pPr lvl="2" eaLnBrk="1" latinLnBrk="0" hangingPunct="1"/>
             <a:r>
-              <a:rPr lang="en-US"/>
+              <a:rPr lang="en-US" smtClean="0"/>
               <a:t>Third level</a:t>
             </a:r>
           </a:p>
           <a:p>
             <a:pPr lvl="3" eaLnBrk="1" latinLnBrk="0" hangingPunct="1"/>
             <a:r>
-              <a:rPr lang="en-US"/>
+              <a:rPr lang="en-US" smtClean="0"/>
               <a:t>Fourth level</a:t>
             </a:r>
           </a:p>
           <a:p>
             <a:pPr lvl="4" eaLnBrk="1" latinLnBrk="0" hangingPunct="1"/>
             <a:r>
-              <a:rPr lang="en-US"/>
+              <a:rPr lang="en-US" smtClean="0"/>
               <a:t>Fifth level</a:t>
             </a:r>
             <a:endParaRPr kumimoji="0" lang="en-US"/>
@@ -2078,35 +2085,35 @@
           <a:p>
             <a:pPr lvl="0" eaLnBrk="1" latinLnBrk="0" hangingPunct="1"/>
             <a:r>
-              <a:rPr lang="en-US"/>
+              <a:rPr lang="en-US" smtClean="0"/>
               <a:t>Click to edit Master text styles</a:t>
             </a:r>
           </a:p>
           <a:p>
             <a:pPr lvl="1" eaLnBrk="1" latinLnBrk="0" hangingPunct="1"/>
             <a:r>
-              <a:rPr lang="en-US"/>
+              <a:rPr lang="en-US" smtClean="0"/>
               <a:t>Second level</a:t>
             </a:r>
           </a:p>
           <a:p>
             <a:pPr lvl="2" eaLnBrk="1" latinLnBrk="0" hangingPunct="1"/>
             <a:r>
-              <a:rPr lang="en-US"/>
+              <a:rPr lang="en-US" smtClean="0"/>
               <a:t>Third level</a:t>
             </a:r>
           </a:p>
           <a:p>
             <a:pPr lvl="3" eaLnBrk="1" latinLnBrk="0" hangingPunct="1"/>
             <a:r>
-              <a:rPr lang="en-US"/>
+              <a:rPr lang="en-US" smtClean="0"/>
               <a:t>Fourth level</a:t>
             </a:r>
           </a:p>
           <a:p>
             <a:pPr lvl="4" eaLnBrk="1" latinLnBrk="0" hangingPunct="1"/>
             <a:r>
-              <a:rPr lang="en-US"/>
+              <a:rPr lang="en-US" smtClean="0"/>
               <a:t>Fifth level</a:t>
             </a:r>
             <a:endParaRPr kumimoji="0" lang="en-US"/>
@@ -2163,9 +2170,10 @@
           </a:lstStyle>
           <a:p>
             <a:r>
-              <a:rPr kumimoji="0" lang="en-US"/>
+              <a:rPr kumimoji="0" lang="en-US" smtClean="0"/>
               <a:t>Click to edit Master title style</a:t>
             </a:r>
+            <a:endParaRPr kumimoji="0" lang="en-US"/>
           </a:p>
         </p:txBody>
       </p:sp>
@@ -2226,7 +2234,7 @@
           <a:p>
             <a:pPr lvl="0" eaLnBrk="1" latinLnBrk="0" hangingPunct="1"/>
             <a:r>
-              <a:rPr kumimoji="0" lang="en-US"/>
+              <a:rPr kumimoji="0" lang="en-US" smtClean="0"/>
               <a:t>Click to edit Master text styles</a:t>
             </a:r>
           </a:p>
@@ -2289,7 +2297,7 @@
           <a:p>
             <a:pPr lvl="0" eaLnBrk="1" latinLnBrk="0" hangingPunct="1"/>
             <a:r>
-              <a:rPr kumimoji="0" lang="en-US"/>
+              <a:rPr kumimoji="0" lang="en-US" smtClean="0"/>
               <a:t>Click to edit Master text styles</a:t>
             </a:r>
           </a:p>
@@ -2384,35 +2392,35 @@
           <a:p>
             <a:pPr lvl="0" eaLnBrk="1" latinLnBrk="0" hangingPunct="1"/>
             <a:r>
-              <a:rPr lang="en-US"/>
+              <a:rPr lang="en-US" smtClean="0"/>
               <a:t>Click to edit Master text styles</a:t>
             </a:r>
           </a:p>
           <a:p>
             <a:pPr lvl="1" eaLnBrk="1" latinLnBrk="0" hangingPunct="1"/>
             <a:r>
-              <a:rPr lang="en-US"/>
+              <a:rPr lang="en-US" smtClean="0"/>
               <a:t>Second level</a:t>
             </a:r>
           </a:p>
           <a:p>
             <a:pPr lvl="2" eaLnBrk="1" latinLnBrk="0" hangingPunct="1"/>
             <a:r>
-              <a:rPr lang="en-US"/>
+              <a:rPr lang="en-US" smtClean="0"/>
               <a:t>Third level</a:t>
             </a:r>
           </a:p>
           <a:p>
             <a:pPr lvl="3" eaLnBrk="1" latinLnBrk="0" hangingPunct="1"/>
             <a:r>
-              <a:rPr lang="en-US"/>
+              <a:rPr lang="en-US" smtClean="0"/>
               <a:t>Fourth level</a:t>
             </a:r>
           </a:p>
           <a:p>
             <a:pPr lvl="4" eaLnBrk="1" latinLnBrk="0" hangingPunct="1"/>
             <a:r>
-              <a:rPr lang="en-US"/>
+              <a:rPr lang="en-US" smtClean="0"/>
               <a:t>Fifth level</a:t>
             </a:r>
             <a:endParaRPr kumimoji="0" lang="en-US"/>
@@ -2441,35 +2449,35 @@
           <a:p>
             <a:pPr lvl="0" eaLnBrk="1" latinLnBrk="0" hangingPunct="1"/>
             <a:r>
-              <a:rPr lang="en-US"/>
+              <a:rPr lang="en-US" smtClean="0"/>
               <a:t>Click to edit Master text styles</a:t>
             </a:r>
           </a:p>
           <a:p>
             <a:pPr lvl="1" eaLnBrk="1" latinLnBrk="0" hangingPunct="1"/>
             <a:r>
-              <a:rPr lang="en-US"/>
+              <a:rPr lang="en-US" smtClean="0"/>
               <a:t>Second level</a:t>
             </a:r>
           </a:p>
           <a:p>
             <a:pPr lvl="2" eaLnBrk="1" latinLnBrk="0" hangingPunct="1"/>
             <a:r>
-              <a:rPr lang="en-US"/>
+              <a:rPr lang="en-US" smtClean="0"/>
               <a:t>Third level</a:t>
             </a:r>
           </a:p>
           <a:p>
             <a:pPr lvl="3" eaLnBrk="1" latinLnBrk="0" hangingPunct="1"/>
             <a:r>
-              <a:rPr lang="en-US"/>
+              <a:rPr lang="en-US" smtClean="0"/>
               <a:t>Fourth level</a:t>
             </a:r>
           </a:p>
           <a:p>
             <a:pPr lvl="4" eaLnBrk="1" latinLnBrk="0" hangingPunct="1"/>
             <a:r>
-              <a:rPr lang="en-US"/>
+              <a:rPr lang="en-US" smtClean="0"/>
               <a:t>Fifth level</a:t>
             </a:r>
             <a:endParaRPr kumimoji="0" lang="en-US"/>
@@ -2517,9 +2525,10 @@
           <a:lstStyle/>
           <a:p>
             <a:r>
-              <a:rPr kumimoji="0" lang="en-US"/>
+              <a:rPr kumimoji="0" lang="en-US" smtClean="0"/>
               <a:t>Click to edit Master title style</a:t>
             </a:r>
+            <a:endParaRPr kumimoji="0" lang="en-US"/>
           </a:p>
         </p:txBody>
       </p:sp>
@@ -2828,9 +2837,10 @@
           </a:lstStyle>
           <a:p>
             <a:r>
-              <a:rPr kumimoji="0" lang="en-US"/>
+              <a:rPr kumimoji="0" lang="en-US" smtClean="0"/>
               <a:t>Click to edit Master title style</a:t>
             </a:r>
+            <a:endParaRPr kumimoji="0" lang="en-US"/>
           </a:p>
         </p:txBody>
       </p:sp>
@@ -2877,7 +2887,7 @@
           <a:p>
             <a:pPr lvl="0" eaLnBrk="1" latinLnBrk="0" hangingPunct="1"/>
             <a:r>
-              <a:rPr kumimoji="0" lang="en-US"/>
+              <a:rPr kumimoji="0" lang="en-US" smtClean="0"/>
               <a:t>Click to edit Master text styles</a:t>
             </a:r>
           </a:p>
@@ -2972,35 +2982,35 @@
           <a:p>
             <a:pPr lvl="0" eaLnBrk="1" latinLnBrk="0" hangingPunct="1"/>
             <a:r>
-              <a:rPr lang="en-US"/>
+              <a:rPr lang="en-US" smtClean="0"/>
               <a:t>Click to edit Master text styles</a:t>
             </a:r>
           </a:p>
           <a:p>
             <a:pPr lvl="1" eaLnBrk="1" latinLnBrk="0" hangingPunct="1"/>
             <a:r>
-              <a:rPr lang="en-US"/>
+              <a:rPr lang="en-US" smtClean="0"/>
               <a:t>Second level</a:t>
             </a:r>
           </a:p>
           <a:p>
             <a:pPr lvl="2" eaLnBrk="1" latinLnBrk="0" hangingPunct="1"/>
             <a:r>
-              <a:rPr lang="en-US"/>
+              <a:rPr lang="en-US" smtClean="0"/>
               <a:t>Third level</a:t>
             </a:r>
           </a:p>
           <a:p>
             <a:pPr lvl="3" eaLnBrk="1" latinLnBrk="0" hangingPunct="1"/>
             <a:r>
-              <a:rPr lang="en-US"/>
+              <a:rPr lang="en-US" smtClean="0"/>
               <a:t>Fourth level</a:t>
             </a:r>
           </a:p>
           <a:p>
             <a:pPr lvl="4" eaLnBrk="1" latinLnBrk="0" hangingPunct="1"/>
             <a:r>
-              <a:rPr lang="en-US"/>
+              <a:rPr lang="en-US" smtClean="0"/>
               <a:t>Fifth level</a:t>
             </a:r>
             <a:endParaRPr kumimoji="0" lang="en-US"/>
@@ -3060,9 +3070,10 @@
           </a:lstStyle>
           <a:p>
             <a:r>
-              <a:rPr kumimoji="0" lang="en-US"/>
+              <a:rPr kumimoji="0" lang="en-US" smtClean="0"/>
               <a:t>Click to edit Master title style</a:t>
             </a:r>
+            <a:endParaRPr kumimoji="0" lang="en-US"/>
           </a:p>
         </p:txBody>
       </p:sp>
@@ -3106,7 +3117,7 @@
           <a:p>
             <a:pPr lvl="0" eaLnBrk="1" latinLnBrk="0" hangingPunct="1"/>
             <a:r>
-              <a:rPr kumimoji="0" lang="en-US"/>
+              <a:rPr kumimoji="0" lang="en-US" smtClean="0"/>
               <a:t>Click to edit Master text styles</a:t>
             </a:r>
           </a:p>
@@ -3371,7 +3382,7 @@
           </a:lstStyle>
           <a:p>
             <a:r>
-              <a:rPr kumimoji="0" lang="en-US"/>
+              <a:rPr kumimoji="0" lang="en-US" smtClean="0"/>
               <a:t>Click icon to add picture</a:t>
             </a:r>
             <a:endParaRPr kumimoji="0" lang="en-US" dirty="0"/>
@@ -3528,9 +3539,10 @@
           <a:lstStyle/>
           <a:p>
             <a:r>
-              <a:rPr kumimoji="0" lang="en-US"/>
+              <a:rPr kumimoji="0" lang="en-US" smtClean="0"/>
               <a:t>Click to edit Master title style</a:t>
             </a:r>
+            <a:endParaRPr kumimoji="0" lang="en-US"/>
           </a:p>
         </p:txBody>
       </p:sp>
@@ -3561,37 +3573,38 @@
           <a:p>
             <a:pPr lvl="0" eaLnBrk="1" latinLnBrk="0" hangingPunct="1"/>
             <a:r>
-              <a:rPr kumimoji="0" lang="en-US"/>
+              <a:rPr kumimoji="0" lang="en-US" smtClean="0"/>
               <a:t>Click to edit Master text styles</a:t>
             </a:r>
           </a:p>
           <a:p>
             <a:pPr lvl="1" eaLnBrk="1" latinLnBrk="0" hangingPunct="1"/>
             <a:r>
-              <a:rPr kumimoji="0" lang="en-US"/>
+              <a:rPr kumimoji="0" lang="en-US" smtClean="0"/>
               <a:t>Second level</a:t>
             </a:r>
           </a:p>
           <a:p>
             <a:pPr lvl="2" eaLnBrk="1" latinLnBrk="0" hangingPunct="1"/>
             <a:r>
-              <a:rPr kumimoji="0" lang="en-US"/>
+              <a:rPr kumimoji="0" lang="en-US" smtClean="0"/>
               <a:t>Third level</a:t>
             </a:r>
           </a:p>
           <a:p>
             <a:pPr lvl="3" eaLnBrk="1" latinLnBrk="0" hangingPunct="1"/>
             <a:r>
-              <a:rPr kumimoji="0" lang="en-US"/>
+              <a:rPr kumimoji="0" lang="en-US" smtClean="0"/>
               <a:t>Fourth level</a:t>
             </a:r>
           </a:p>
           <a:p>
             <a:pPr lvl="4" eaLnBrk="1" latinLnBrk="0" hangingPunct="1"/>
             <a:r>
-              <a:rPr kumimoji="0" lang="en-US"/>
+              <a:rPr kumimoji="0" lang="en-US" smtClean="0"/>
               <a:t>Fifth level</a:t>
             </a:r>
+            <a:endParaRPr kumimoji="0" lang="en-US"/>
           </a:p>
         </p:txBody>
       </p:sp>
@@ -4069,7 +4082,7 @@
           <a:lstStyle/>
           <a:p>
             <a:r>
-              <a:rPr lang="en-IN" b="1" dirty="0"/>
+              <a:rPr lang="en-IN" b="1" dirty="0" smtClean="0"/>
               <a:t>JFX</a:t>
             </a:r>
             <a:endParaRPr lang="en-IN" dirty="0"/>
@@ -4086,6 +4099,13 @@
   <p:clrMapOvr>
     <a:masterClrMapping/>
   </p:clrMapOvr>
+  <p:timing>
+    <p:tnLst>
+      <p:par>
+        <p:cTn id="1" dur="indefinite" restart="never" nodeType="tmRoot"/>
+      </p:par>
+    </p:tnLst>
+  </p:timing>
 </p:sld>
 </file>
 
@@ -4129,9 +4149,10 @@
           <a:lstStyle/>
           <a:p>
             <a:r>
-              <a:rPr lang="en-IN" dirty="0"/>
+              <a:rPr lang="en-IN" dirty="0" smtClean="0"/>
               <a:t>Hello world</a:t>
             </a:r>
+            <a:endParaRPr lang="en-IN" dirty="0"/>
           </a:p>
         </p:txBody>
       </p:sp>
@@ -4161,9 +4182,10 @@
               <a:buNone/>
             </a:pPr>
             <a:r>
-              <a:rPr lang="en-IN" dirty="0"/>
+              <a:rPr lang="en-IN" dirty="0" smtClean="0"/>
               <a:t>Refer JFX Helloworld.pdf</a:t>
             </a:r>
+            <a:endParaRPr lang="en-IN" dirty="0"/>
           </a:p>
         </p:txBody>
       </p:sp>
@@ -4237,9 +4259,10 @@
           <a:lstStyle/>
           <a:p>
             <a:r>
-              <a:rPr lang="en-IN" dirty="0"/>
+              <a:rPr lang="en-IN" dirty="0" smtClean="0"/>
               <a:t>Hello world</a:t>
             </a:r>
+            <a:endParaRPr lang="en-IN" dirty="0"/>
           </a:p>
         </p:txBody>
       </p:sp>
@@ -4277,23 +4300,46 @@
               <a:rPr lang="en-US" dirty="0"/>
               <a:t> class. The start() method is the main entry point for all JavaFX applications. </a:t>
             </a:r>
-          </a:p>
-          <a:p>
+            <a:endParaRPr lang="en-US" dirty="0" smtClean="0"/>
+          </a:p>
+          <a:p>
+            <a:r>
+              <a:rPr lang="en-US" dirty="0" smtClean="0"/>
+              <a:t>A </a:t>
+            </a:r>
             <a:r>
               <a:rPr lang="en-US" dirty="0"/>
-              <a:t>A JavaFX application defines the user interface container by means of a stage and a scene. </a:t>
-            </a:r>
-          </a:p>
-          <a:p>
+              <a:t>JavaFX application defines the user interface container by means of a stage and a scene. </a:t>
+            </a:r>
+            <a:endParaRPr lang="en-US" dirty="0" smtClean="0"/>
+          </a:p>
+          <a:p>
+            <a:r>
+              <a:rPr lang="en-US" dirty="0" smtClean="0"/>
+              <a:t>The </a:t>
+            </a:r>
             <a:r>
               <a:rPr lang="en-US" dirty="0"/>
-              <a:t>The JavaFX Stage class is the top-level JavaFX container. The JavaFX Scene class is the container for all content. Here we create the stage and scene and makes the scene visible in a given pixel size. </a:t>
-            </a:r>
-          </a:p>
-          <a:p>
+              <a:t>JavaFX Stage class is the top-level JavaFX container. The JavaFX Scene class is the container for all content. </a:t>
+            </a:r>
+            <a:r>
+              <a:rPr lang="en-US" dirty="0" smtClean="0"/>
+              <a:t>Here we create </a:t>
+            </a:r>
             <a:r>
               <a:rPr lang="en-US" dirty="0"/>
-              <a:t>In JavaFX, the content of the scene is represented as a hierarchical scene graph of nodes. In this example, the root node is a </a:t>
+              <a:t>the stage and scene and makes the scene visible in a given pixel size. </a:t>
+            </a:r>
+            <a:endParaRPr lang="en-US" dirty="0" smtClean="0"/>
+          </a:p>
+          <a:p>
+            <a:r>
+              <a:rPr lang="en-US" dirty="0" smtClean="0"/>
+              <a:t>In </a:t>
+            </a:r>
+            <a:r>
+              <a:rPr lang="en-US" dirty="0"/>
+              <a:t>JavaFX, the content of the scene is represented as a hierarchical scene graph of nodes. In this example, the root node is a </a:t>
             </a:r>
             <a:r>
               <a:rPr lang="en-US" dirty="0" err="1"/>
@@ -4301,13 +4347,21 @@
             </a:r>
             <a:r>
               <a:rPr lang="en-US" dirty="0"/>
-              <a:t> object, which is a resizable layout node. This means that the root node's size tracks the scene's size and changes when the stage is resized by a user.  </a:t>
-            </a:r>
-          </a:p>
-          <a:p>
+              <a:t> object, which is a resizable layout node. This means that the root node's size tracks the scene's size and changes when the stage is resized by a user. </a:t>
+            </a:r>
+            <a:r>
+              <a:rPr lang="en-US" dirty="0" smtClean="0"/>
+              <a:t> </a:t>
+            </a:r>
+          </a:p>
+          <a:p>
+            <a:r>
+              <a:rPr lang="en-US" dirty="0" smtClean="0"/>
+              <a:t>The </a:t>
+            </a:r>
             <a:r>
               <a:rPr lang="en-US" dirty="0"/>
-              <a:t>The root node contains one child node, a button control with text, plus an event handler to print a message when the button is pressed.</a:t>
+              <a:t>root node contains one child node, a button control with text, plus an event handler to print a message when the button is pressed.</a:t>
             </a:r>
             <a:endParaRPr lang="en-IN" dirty="0"/>
           </a:p>
@@ -4359,9 +4413,10 @@
           <a:lstStyle/>
           <a:p>
             <a:r>
-              <a:rPr lang="en-IN" dirty="0"/>
+              <a:rPr lang="en-IN" dirty="0" smtClean="0"/>
               <a:t>Life cycle</a:t>
             </a:r>
+            <a:endParaRPr lang="en-IN" dirty="0"/>
           </a:p>
         </p:txBody>
       </p:sp>
@@ -4479,7 +4534,11 @@
           <a:p>
             <a:r>
               <a:rPr lang="en-US" dirty="0"/>
-              <a:t>Creating a Form in JavaFX</a:t>
+              <a:t>Creating a Form in </a:t>
+            </a:r>
+            <a:r>
+              <a:rPr lang="en-US" dirty="0" smtClean="0"/>
+              <a:t>JavaFX</a:t>
             </a:r>
             <a:endParaRPr lang="en-IN" dirty="0"/>
           </a:p>
@@ -4504,31 +4563,57 @@
           <a:p>
             <a:r>
               <a:rPr lang="en-US" dirty="0"/>
-              <a:t>Creating a form is a common activity when developing an application</a:t>
-            </a:r>
-          </a:p>
-          <a:p>
+              <a:t>Creating a form is a common activity when developing an </a:t>
+            </a:r>
+            <a:r>
+              <a:rPr lang="en-US" dirty="0" smtClean="0"/>
+              <a:t>application</a:t>
+            </a:r>
+          </a:p>
+          <a:p>
+            <a:r>
+              <a:rPr lang="en-US" dirty="0" smtClean="0"/>
+              <a:t>1. From </a:t>
+            </a:r>
             <a:r>
               <a:rPr lang="en-US" dirty="0"/>
-              <a:t>1. From the File menu, choose New Project. </a:t>
-            </a:r>
-          </a:p>
-          <a:p>
+              <a:t>the File menu, choose New Project. </a:t>
+            </a:r>
+            <a:endParaRPr lang="en-US" dirty="0" smtClean="0"/>
+          </a:p>
+          <a:p>
+            <a:r>
+              <a:rPr lang="en-US" dirty="0" smtClean="0"/>
+              <a:t>2</a:t>
+            </a:r>
             <a:r>
               <a:rPr lang="en-US" dirty="0"/>
-              <a:t>2. In the JavaFX application category, choose JavaFX Application. Click Next. </a:t>
-            </a:r>
-          </a:p>
-          <a:p>
+              <a:t>. In the JavaFX application category, choose JavaFX Application. Click Next. </a:t>
+            </a:r>
+            <a:endParaRPr lang="en-US" dirty="0" smtClean="0"/>
+          </a:p>
+          <a:p>
+            <a:r>
+              <a:rPr lang="en-US" dirty="0" smtClean="0"/>
+              <a:t>3</a:t>
+            </a:r>
             <a:r>
               <a:rPr lang="en-US" dirty="0"/>
-              <a:t>3. Name the project Login and click Finish.</a:t>
+              <a:t>. Name the project Login and click Finish</a:t>
+            </a:r>
+            <a:r>
+              <a:rPr lang="en-US" dirty="0" smtClean="0"/>
+              <a:t>.</a:t>
             </a:r>
           </a:p>
           <a:p>
             <a:r>
               <a:rPr lang="en-US" dirty="0"/>
-              <a:t>4. Remove the start() method that NetBeans IDE generated and replace it with the code in</a:t>
+              <a:t>4. Remove the start() method that NetBeans IDE generated and replace it with the code </a:t>
+            </a:r>
+            <a:r>
+              <a:rPr lang="en-US" dirty="0" smtClean="0"/>
+              <a:t>in</a:t>
             </a:r>
           </a:p>
           <a:p>
@@ -4545,7 +4630,11 @@
             </a:r>
             <a:r>
               <a:rPr lang="en-IN" i="1" dirty="0"/>
-              <a:t>) {</a:t>
+              <a:t>) </a:t>
+            </a:r>
+            <a:r>
+              <a:rPr lang="en-IN" i="1" dirty="0" smtClean="0"/>
+              <a:t>{</a:t>
             </a:r>
           </a:p>
           <a:p>
@@ -4554,7 +4643,11 @@
             </a:pPr>
             <a:r>
               <a:rPr lang="en-IN" i="1" dirty="0"/>
-              <a:t>	 </a:t>
+              <a:t>	</a:t>
+            </a:r>
+            <a:r>
+              <a:rPr lang="en-IN" i="1" dirty="0" smtClean="0"/>
+              <a:t> </a:t>
             </a:r>
             <a:r>
               <a:rPr lang="en-IN" i="1" dirty="0" err="1"/>
@@ -4564,6 +4657,7 @@
               <a:rPr lang="en-IN" i="1" dirty="0"/>
               <a:t>("JavaFX Welcome"); </a:t>
             </a:r>
+            <a:endParaRPr lang="en-IN" i="1" dirty="0" smtClean="0"/>
           </a:p>
           <a:p>
             <a:pPr marL="274320" lvl="1" indent="0">
@@ -4574,22 +4668,24 @@
               <a:t>	</a:t>
             </a:r>
             <a:r>
-              <a:rPr lang="en-IN" i="1" dirty="0" err="1"/>
+              <a:rPr lang="en-IN" i="1" dirty="0" err="1" smtClean="0"/>
               <a:t>primaryStage.show</a:t>
             </a:r>
             <a:r>
               <a:rPr lang="en-IN" i="1" dirty="0"/>
               <a:t>(); </a:t>
             </a:r>
+            <a:endParaRPr lang="en-IN" i="1" dirty="0" smtClean="0"/>
           </a:p>
           <a:p>
             <a:pPr marL="274320" lvl="1" indent="0">
               <a:buNone/>
             </a:pPr>
             <a:r>
-              <a:rPr lang="en-IN" i="1" dirty="0"/>
+              <a:rPr lang="en-IN" i="1" dirty="0" smtClean="0"/>
               <a:t>}</a:t>
             </a:r>
+            <a:endParaRPr lang="en-IN" i="1" dirty="0"/>
           </a:p>
         </p:txBody>
       </p:sp>
@@ -4639,9 +4735,10 @@
           <a:lstStyle/>
           <a:p>
             <a:r>
-              <a:rPr lang="en-IN" dirty="0"/>
+              <a:rPr lang="en-IN" dirty="0" smtClean="0"/>
               <a:t>JavaFX</a:t>
             </a:r>
+            <a:endParaRPr lang="en-IN" dirty="0"/>
           </a:p>
         </p:txBody>
       </p:sp>
@@ -4662,7 +4759,11 @@
           <a:p>
             <a:r>
               <a:rPr lang="en-US" dirty="0"/>
-              <a:t>JavaFX applications can use Java API libraries to access native system capabilities and connect to server-based middleware applications.</a:t>
+              <a:t>JavaFX applications can use Java API libraries to access native system capabilities and connect to server-based middleware applications</a:t>
+            </a:r>
+            <a:r>
+              <a:rPr lang="en-US" dirty="0" smtClean="0"/>
+              <a:t>.</a:t>
             </a:r>
           </a:p>
           <a:p>
@@ -4670,11 +4771,16 @@
               <a:rPr lang="en-US" dirty="0"/>
               <a:t>With JavaFX, you can build many types of applications. </a:t>
             </a:r>
-          </a:p>
-          <a:p>
+            <a:endParaRPr lang="en-US" dirty="0" smtClean="0"/>
+          </a:p>
+          <a:p>
+            <a:r>
+              <a:rPr lang="en-US" dirty="0" smtClean="0"/>
+              <a:t>The applications as Network-aware that </a:t>
+            </a:r>
             <a:r>
               <a:rPr lang="en-US" dirty="0"/>
-              <a:t>The applications as Network-aware that are deployed across multiple platforms and display information in a high-performance modern user interface that features audio, video, graphics, and animation.</a:t>
+              <a:t>are deployed across multiple platforms and display information in a high-performance modern user interface that features audio, video, graphics, and animation.</a:t>
             </a:r>
             <a:endParaRPr lang="en-IN" dirty="0"/>
           </a:p>
@@ -4726,9 +4832,10 @@
           <a:lstStyle/>
           <a:p>
             <a:r>
-              <a:rPr lang="en-IN" dirty="0"/>
+              <a:rPr lang="en-IN" dirty="0" smtClean="0"/>
               <a:t>Features of JFX</a:t>
             </a:r>
+            <a:endParaRPr lang="en-IN" dirty="0"/>
           </a:p>
         </p:txBody>
       </p:sp>
@@ -4755,18 +4862,27 @@
             </a:r>
             <a:r>
               <a:rPr lang="en-US" dirty="0"/>
-              <a:t>. JavaFX is a Java library that consists of classes and interfaces that are written in Java code.</a:t>
-            </a:r>
-          </a:p>
-          <a:p>
-            <a:r>
-              <a:rPr lang="en-US" b="1" dirty="0"/>
+              <a:t>. JavaFX is a Java library that consists of classes and interfaces that are written in Java </a:t>
+            </a:r>
+            <a:r>
+              <a:rPr lang="en-US" dirty="0" smtClean="0"/>
+              <a:t>code.</a:t>
+            </a:r>
+          </a:p>
+          <a:p>
+            <a:r>
+              <a:rPr lang="en-US" b="1" dirty="0" smtClean="0"/>
               <a:t>FXML</a:t>
             </a:r>
             <a:r>
+              <a:rPr lang="en-US" dirty="0" smtClean="0"/>
+              <a:t>. </a:t>
+            </a:r>
+            <a:r>
               <a:rPr lang="en-US" dirty="0"/>
-              <a:t>. FXML is an XML-based declarative markup language for constructing a JavaFX application user interface. </a:t>
-            </a:r>
+              <a:t>FXML is an XML-based declarative markup language for constructing a JavaFX application user interface. </a:t>
+            </a:r>
+            <a:endParaRPr lang="en-US" dirty="0" smtClean="0"/>
           </a:p>
           <a:p>
             <a:r>
@@ -4774,9 +4890,14 @@
               <a:t>Scene Builder </a:t>
             </a:r>
             <a:r>
+              <a:rPr lang="en-US" dirty="0" smtClean="0"/>
+              <a:t>application </a:t>
+            </a:r>
+            <a:r>
               <a:rPr lang="en-US" dirty="0"/>
-              <a:t>application in IDE’s such as Eclipse and NetBeans, the users can access a drag and drop design interface,</a:t>
-            </a:r>
+              <a:t>in IDE’s such as Eclipse and NetBeans, the users can access a drag and drop design interface,</a:t>
+            </a:r>
+            <a:endParaRPr lang="en-US" dirty="0" smtClean="0"/>
           </a:p>
           <a:p>
             <a:r>
@@ -4799,6 +4920,7 @@
               <a:rPr lang="en-US" dirty="0"/>
               <a:t> technology to make it possible to embed web pages within a JavaFX application. </a:t>
             </a:r>
+            <a:endParaRPr lang="en-US" dirty="0" smtClean="0"/>
           </a:p>
           <a:p>
             <a:r>
@@ -4888,7 +5010,11 @@
             </a:r>
             <a:r>
               <a:rPr lang="en-US" dirty="0"/>
-              <a:t>. JavaFX provides all the major UI controls that are required to develop a full-featured application. Components can be skinned with standard Web technologies such as CSS</a:t>
+              <a:t>. JavaFX provides all the major UI controls that are required to develop a full-featured application. Components can be skinned with standard Web technologies such as </a:t>
+            </a:r>
+            <a:r>
+              <a:rPr lang="en-US" dirty="0" smtClean="0"/>
+              <a:t>CSS</a:t>
             </a:r>
           </a:p>
           <a:p>
@@ -4896,12 +5022,14 @@
               <a:rPr lang="en-IN" dirty="0"/>
               <a:t>3D Graphics Features. </a:t>
             </a:r>
+            <a:endParaRPr lang="en-IN" dirty="0" smtClean="0"/>
           </a:p>
           <a:p>
             <a:r>
               <a:rPr lang="en-IN" dirty="0"/>
               <a:t>Canvas API and Printing API. </a:t>
             </a:r>
+            <a:endParaRPr lang="en-IN" dirty="0" smtClean="0"/>
           </a:p>
           <a:p>
             <a:r>
@@ -4910,7 +5038,11 @@
             </a:r>
             <a:r>
               <a:rPr lang="en-US" dirty="0"/>
-              <a:t> − JavaFX library provides a rich set of API’s to develop GUI applications, 2D and 3D graphics, etc.</a:t>
+              <a:t> − JavaFX library provides a rich set of API’s to develop GUI applications, 2D and 3D graphics, etc</a:t>
+            </a:r>
+            <a:r>
+              <a:rPr lang="en-US" dirty="0" smtClean="0"/>
+              <a:t>.</a:t>
             </a:r>
           </a:p>
           <a:p>
@@ -4972,9 +5104,10 @@
           <a:lstStyle/>
           <a:p>
             <a:r>
-              <a:rPr lang="en-IN" dirty="0"/>
+              <a:rPr lang="en-IN" dirty="0" smtClean="0"/>
               <a:t>JFX Architecture</a:t>
             </a:r>
+            <a:endParaRPr lang="en-IN" dirty="0"/>
           </a:p>
         </p:txBody>
       </p:sp>
@@ -5092,123 +5225,169 @@
           <a:p>
             <a:r>
               <a:rPr lang="en-IN" dirty="0"/>
-              <a:t>Scene Graph - </a:t>
+              <a:t>Scene Graph </a:t>
+            </a:r>
+            <a:r>
+              <a:rPr lang="en-IN" dirty="0" smtClean="0"/>
+              <a:t>- </a:t>
             </a:r>
             <a:r>
               <a:rPr lang="en-US" dirty="0"/>
               <a:t>A single element in a scene graph is called a node</a:t>
             </a:r>
-            <a:endParaRPr lang="en-IN" dirty="0"/>
-          </a:p>
-          <a:p>
+            <a:endParaRPr lang="en-IN" dirty="0" smtClean="0"/>
+          </a:p>
+          <a:p>
+            <a:r>
+              <a:rPr lang="en-IN" dirty="0" smtClean="0"/>
+              <a:t>Java </a:t>
+            </a:r>
             <a:r>
               <a:rPr lang="en-IN" dirty="0"/>
-              <a:t>Java Public APIs for JavaFX Features  -</a:t>
+              <a:t>Public APIs for JavaFX Features </a:t>
+            </a:r>
+            <a:r>
+              <a:rPr lang="en-IN" dirty="0" smtClean="0"/>
+              <a:t> -</a:t>
             </a:r>
             <a:r>
               <a:rPr lang="en-US" dirty="0"/>
               <a:t> Allow the use of powerful Java features, such as generics, annotations, multithreading</a:t>
             </a:r>
-            <a:endParaRPr lang="en-IN" dirty="0"/>
-          </a:p>
-          <a:p>
+            <a:endParaRPr lang="en-IN" dirty="0" smtClean="0"/>
+          </a:p>
+          <a:p>
+            <a:r>
+              <a:rPr lang="en-IN" dirty="0" smtClean="0"/>
+              <a:t>Graphics </a:t>
+            </a:r>
             <a:r>
               <a:rPr lang="en-IN" dirty="0"/>
-              <a:t>Graphics System - </a:t>
+              <a:t>System </a:t>
+            </a:r>
+            <a:r>
+              <a:rPr lang="en-IN" dirty="0" smtClean="0"/>
+              <a:t>- </a:t>
             </a:r>
             <a:r>
               <a:rPr lang="en-US" dirty="0"/>
               <a:t>It supports both 2-D and 3-D scene graphs.</a:t>
             </a:r>
-            <a:endParaRPr lang="en-IN" dirty="0"/>
-          </a:p>
-          <a:p>
+            <a:endParaRPr lang="en-IN" dirty="0" smtClean="0"/>
+          </a:p>
+          <a:p>
+            <a:r>
+              <a:rPr lang="en-IN" dirty="0" smtClean="0"/>
+              <a:t>Glass </a:t>
+            </a:r>
             <a:r>
               <a:rPr lang="en-IN" dirty="0"/>
-              <a:t>Glass Windowing Toolkit - </a:t>
+              <a:t>Windowing Toolkit </a:t>
+            </a:r>
+            <a:r>
+              <a:rPr lang="en-IN" dirty="0" smtClean="0"/>
+              <a:t>- </a:t>
             </a:r>
             <a:r>
               <a:rPr lang="en-US" dirty="0"/>
               <a:t>main responsibility is to provide native operating services, such as managing the windows, timers, and surfaces</a:t>
             </a:r>
-            <a:endParaRPr lang="en-IN" dirty="0"/>
-          </a:p>
-          <a:p>
+            <a:endParaRPr lang="en-IN" dirty="0" smtClean="0"/>
+          </a:p>
+          <a:p>
+            <a:r>
+              <a:rPr lang="en-IN" dirty="0" smtClean="0"/>
+              <a:t>Media </a:t>
+            </a:r>
             <a:r>
               <a:rPr lang="en-IN" dirty="0"/>
-              <a:t>Media and Images </a:t>
-            </a:r>
-          </a:p>
-          <a:p>
+              <a:t>and Images </a:t>
+            </a:r>
+            <a:endParaRPr lang="en-IN" dirty="0" smtClean="0"/>
+          </a:p>
+          <a:p>
+            <a:r>
+              <a:rPr lang="en-IN" dirty="0" smtClean="0"/>
+              <a:t>Web </a:t>
+            </a:r>
             <a:r>
               <a:rPr lang="en-IN" dirty="0"/>
-              <a:t>Web Component </a:t>
-            </a:r>
-          </a:p>
-          <a:p>
-            <a:r>
-              <a:rPr lang="en-IN" dirty="0"/>
+              <a:t>Component </a:t>
+            </a:r>
+            <a:endParaRPr lang="en-IN" dirty="0" smtClean="0"/>
+          </a:p>
+          <a:p>
+            <a:r>
+              <a:rPr lang="en-IN" dirty="0" smtClean="0"/>
               <a:t>CSS - </a:t>
             </a:r>
             <a:r>
               <a:rPr lang="en-US" dirty="0"/>
               <a:t>JavaFX Cascading Style Sheets (CSS) provides the ability to apply customized styling to the user interface of a JavaFX application </a:t>
             </a:r>
-            <a:endParaRPr lang="en-IN" dirty="0"/>
-          </a:p>
-          <a:p>
+            <a:endParaRPr lang="en-IN" dirty="0" smtClean="0"/>
+          </a:p>
+          <a:p>
+            <a:r>
+              <a:rPr lang="en-IN" dirty="0" smtClean="0"/>
+              <a:t>UI </a:t>
+            </a:r>
             <a:r>
               <a:rPr lang="en-IN" dirty="0"/>
-              <a:t>UI Controls  - check box, button, </a:t>
-            </a:r>
-            <a:r>
-              <a:rPr lang="en-IN" dirty="0" err="1"/>
+              <a:t>Controls </a:t>
+            </a:r>
+            <a:r>
+              <a:rPr lang="en-IN" dirty="0" smtClean="0"/>
+              <a:t> - check box, button, </a:t>
+            </a:r>
+            <a:r>
+              <a:rPr lang="en-IN" dirty="0" err="1" smtClean="0"/>
               <a:t>listbox</a:t>
             </a:r>
             <a:r>
-              <a:rPr lang="en-IN" dirty="0"/>
+              <a:rPr lang="en-IN" dirty="0" smtClean="0"/>
               <a:t>, progress</a:t>
             </a:r>
           </a:p>
           <a:p>
             <a:r>
-              <a:rPr lang="en-IN" dirty="0"/>
+              <a:rPr lang="en-IN" dirty="0" smtClean="0"/>
               <a:t>Layout – </a:t>
             </a:r>
             <a:r>
-              <a:rPr lang="en-IN" dirty="0" err="1"/>
+              <a:rPr lang="en-IN" dirty="0" err="1" smtClean="0"/>
               <a:t>Borderpane</a:t>
             </a:r>
             <a:r>
-              <a:rPr lang="en-IN" dirty="0"/>
+              <a:rPr lang="en-IN" dirty="0" smtClean="0"/>
               <a:t>, </a:t>
             </a:r>
             <a:r>
-              <a:rPr lang="en-IN" dirty="0" err="1"/>
+              <a:rPr lang="en-IN" dirty="0" err="1" smtClean="0"/>
               <a:t>Hbox</a:t>
             </a:r>
             <a:r>
-              <a:rPr lang="en-IN" dirty="0"/>
+              <a:rPr lang="en-IN" dirty="0" smtClean="0"/>
               <a:t>, </a:t>
             </a:r>
             <a:r>
-              <a:rPr lang="en-IN" dirty="0" err="1"/>
+              <a:rPr lang="en-IN" dirty="0" err="1" smtClean="0"/>
               <a:t>Vbox</a:t>
             </a:r>
             <a:r>
-              <a:rPr lang="en-IN" dirty="0"/>
+              <a:rPr lang="en-IN" dirty="0" smtClean="0"/>
               <a:t>, </a:t>
             </a:r>
             <a:r>
-              <a:rPr lang="en-IN" dirty="0" err="1"/>
+              <a:rPr lang="en-IN" dirty="0" err="1" smtClean="0"/>
               <a:t>Gridpane</a:t>
             </a:r>
             <a:r>
-              <a:rPr lang="en-IN" dirty="0"/>
+              <a:rPr lang="en-IN" dirty="0" smtClean="0"/>
               <a:t>, </a:t>
             </a:r>
             <a:r>
-              <a:rPr lang="en-IN" dirty="0" err="1"/>
+              <a:rPr lang="en-IN" dirty="0" err="1" smtClean="0"/>
               <a:t>Stackpane</a:t>
             </a:r>
             <a:endParaRPr lang="en-IN" dirty="0"/>
@@ -5264,8 +5443,13 @@
           <a:p>
             <a:r>
               <a:rPr lang="en-IN" dirty="0"/>
-              <a:t>JavaFX Application Structure</a:t>
-            </a:r>
+              <a:t>JavaFX Application </a:t>
+            </a:r>
+            <a:r>
+              <a:rPr lang="en-IN" dirty="0" smtClean="0"/>
+              <a:t>Structure</a:t>
+            </a:r>
+            <a:endParaRPr lang="en-IN" dirty="0"/>
           </a:p>
         </p:txBody>
       </p:sp>
@@ -5399,8 +5583,20 @@
           <a:lstStyle/>
           <a:p>
             <a:r>
+              <a:rPr lang="en-US" dirty="0" smtClean="0"/>
+              <a:t>Stage</a:t>
+            </a:r>
+            <a:r>
               <a:rPr lang="en-US" dirty="0"/>
-              <a:t>Stage - A stage (a window) contains all the objects of a JavaFX application. It is represented by </a:t>
+              <a:t> </a:t>
+            </a:r>
+            <a:r>
+              <a:rPr lang="en-US" dirty="0" smtClean="0"/>
+              <a:t>- A </a:t>
+            </a:r>
+            <a:r>
+              <a:rPr lang="en-US" dirty="0"/>
+              <a:t>stage (a window) contains all the objects of a JavaFX application. It is represented by </a:t>
             </a:r>
             <a:r>
               <a:rPr lang="en-US" b="1" dirty="0"/>
@@ -5432,13 +5628,25 @@
             </a:r>
             <a:r>
               <a:rPr lang="en-US" dirty="0"/>
-              <a:t> class. </a:t>
-            </a:r>
-          </a:p>
-          <a:p>
+              <a:t> </a:t>
+            </a:r>
+            <a:r>
+              <a:rPr lang="en-US" dirty="0" smtClean="0"/>
+              <a:t>class. </a:t>
+            </a:r>
+          </a:p>
+          <a:p>
+            <a:r>
+              <a:rPr lang="en-US" dirty="0" smtClean="0"/>
+              <a:t>Scene- Scene </a:t>
+            </a:r>
             <a:r>
               <a:rPr lang="en-US" dirty="0"/>
-              <a:t>Scene- Scene represents the physical contents of a JavaFX application. It contains all the contents of a scene graph.</a:t>
+              <a:t>represents the physical contents of a JavaFX application. It contains all the contents of a scene graph</a:t>
+            </a:r>
+            <a:r>
+              <a:rPr lang="en-US" dirty="0" smtClean="0"/>
+              <a:t>.</a:t>
             </a:r>
           </a:p>
           <a:p>
@@ -5542,8 +5750,13 @@
           <a:p>
             <a:r>
               <a:rPr lang="en-IN" dirty="0"/>
-              <a:t>JavaFX Application</a:t>
-            </a:r>
+              <a:t>JavaFX </a:t>
+            </a:r>
+            <a:r>
+              <a:rPr lang="en-IN" dirty="0" smtClean="0"/>
+              <a:t>Application</a:t>
+            </a:r>
+            <a:endParaRPr lang="en-IN" dirty="0"/>
           </a:p>
         </p:txBody>
       </p:sp>
@@ -5579,7 +5792,15 @@
             </a:r>
             <a:r>
               <a:rPr lang="en-US" dirty="0"/>
-              <a:t> class of the package </a:t>
+              <a:t> class of </a:t>
+            </a:r>
+            <a:r>
+              <a:rPr lang="en-US" dirty="0" smtClean="0"/>
+              <a:t>the package</a:t>
+            </a:r>
+            <a:r>
+              <a:rPr lang="en-US" dirty="0"/>
+              <a:t> </a:t>
             </a:r>
             <a:r>
               <a:rPr lang="en-US" b="1" dirty="0" err="1"/>
@@ -5589,11 +5810,16 @@
               <a:rPr lang="en-US" dirty="0"/>
               <a:t> is the entry point of the application in JavaFX. </a:t>
             </a:r>
-          </a:p>
-          <a:p>
+            <a:endParaRPr lang="en-US" dirty="0" smtClean="0"/>
+          </a:p>
+          <a:p>
+            <a:r>
+              <a:rPr lang="en-US" dirty="0" smtClean="0"/>
+              <a:t>To </a:t>
+            </a:r>
             <a:r>
               <a:rPr lang="en-US" dirty="0"/>
-              <a:t>To create a JavaFX application, you need to inherit this class and implement its abstract method </a:t>
+              <a:t>create a JavaFX application, you need to inherit this class and implement its abstract method </a:t>
             </a:r>
             <a:r>
               <a:rPr lang="en-US" b="1" dirty="0"/>
@@ -5601,7 +5827,11 @@
             </a:r>
             <a:r>
               <a:rPr lang="en-US" dirty="0"/>
-              <a:t>. In this method, you need to write the entire code for the JavaFX graphics. </a:t>
+              <a:t>. In this method, you need to write the entire code for the JavaFX </a:t>
+            </a:r>
+            <a:r>
+              <a:rPr lang="en-US" dirty="0" smtClean="0"/>
+              <a:t>graphics. </a:t>
             </a:r>
           </a:p>
           <a:p>
@@ -5626,8 +5856,12 @@
               <a:buNone/>
             </a:pPr>
             <a:r>
+              <a:rPr lang="en-IN" dirty="0" smtClean="0"/>
+              <a:t>public </a:t>
+            </a:r>
+            <a:r>
               <a:rPr lang="en-IN" dirty="0"/>
-              <a:t>public void start(Stage </a:t>
+              <a:t>void start(Stage </a:t>
             </a:r>
             <a:r>
               <a:rPr lang="en-IN" dirty="0" err="1"/>
@@ -6281,192 +6515,4 @@
     </a:ext>
   </a:extLst>
 </a:theme>
-</file>
-
-<file path=customXml/item1.xml><?xml version="1.0" encoding="utf-8"?>
-<ct:contentTypeSchema xmlns:ct="http://schemas.microsoft.com/office/2006/metadata/contentType" xmlns:ma="http://schemas.microsoft.com/office/2006/metadata/properties/metaAttributes" ct:_="" ma:_="" ma:contentTypeName="Document" ma:contentTypeID="0x010100DBE508B3E152C444911F3CA7CA32C45E" ma:contentTypeVersion="3" ma:contentTypeDescription="Create a new document." ma:contentTypeScope="" ma:versionID="e0b5c6ac36c4432b0dc95cb555a30cb3">
-  <xsd:schema xmlns:xsd="http://www.w3.org/2001/XMLSchema" xmlns:xs="http://www.w3.org/2001/XMLSchema" xmlns:p="http://schemas.microsoft.com/office/2006/metadata/properties" xmlns:ns2="16f12a20-e7a9-4421-ae16-d8c44e1cf3e3" targetNamespace="http://schemas.microsoft.com/office/2006/metadata/properties" ma:root="true" ma:fieldsID="ec2661216aaa668a34737448c36765eb" ns2:_="">
-    <xsd:import namespace="16f12a20-e7a9-4421-ae16-d8c44e1cf3e3"/>
-    <xsd:element name="properties">
-      <xsd:complexType>
-        <xsd:sequence>
-          <xsd:element name="documentManagement">
-            <xsd:complexType>
-              <xsd:all>
-                <xsd:element ref="ns2:MediaServiceMetadata" minOccurs="0"/>
-                <xsd:element ref="ns2:MediaServiceFastMetadata" minOccurs="0"/>
-                <xsd:element ref="ns2:MediaServiceDateTaken" minOccurs="0"/>
-              </xsd:all>
-            </xsd:complexType>
-          </xsd:element>
-        </xsd:sequence>
-      </xsd:complexType>
-    </xsd:element>
-  </xsd:schema>
-  <xsd:schema xmlns:xsd="http://www.w3.org/2001/XMLSchema" xmlns:xs="http://www.w3.org/2001/XMLSchema" xmlns:dms="http://schemas.microsoft.com/office/2006/documentManagement/types" xmlns:pc="http://schemas.microsoft.com/office/infopath/2007/PartnerControls" targetNamespace="16f12a20-e7a9-4421-ae16-d8c44e1cf3e3" elementFormDefault="qualified">
-    <xsd:import namespace="http://schemas.microsoft.com/office/2006/documentManagement/types"/>
-    <xsd:import namespace="http://schemas.microsoft.com/office/infopath/2007/PartnerControls"/>
-    <xsd:element name="MediaServiceMetadata" ma:index="8" nillable="true" ma:displayName="MediaServiceMetadata" ma:hidden="true" ma:internalName="MediaServiceMetadata" ma:readOnly="true">
-      <xsd:simpleType>
-        <xsd:restriction base="dms:Note"/>
-      </xsd:simpleType>
-    </xsd:element>
-    <xsd:element name="MediaServiceFastMetadata" ma:index="9" nillable="true" ma:displayName="MediaServiceFastMetadata" ma:hidden="true" ma:internalName="MediaServiceFastMetadata" ma:readOnly="true">
-      <xsd:simpleType>
-        <xsd:restriction base="dms:Note"/>
-      </xsd:simpleType>
-    </xsd:element>
-    <xsd:element name="MediaServiceDateTaken" ma:index="10" nillable="true" ma:displayName="MediaServiceDateTaken" ma:hidden="true" ma:internalName="MediaServiceDateTaken" ma:readOnly="true">
-      <xsd:simpleType>
-        <xsd:restriction base="dms:Text"/>
-      </xsd:simpleType>
-    </xsd:element>
-  </xsd:schema>
-  <xsd:schema xmlns="http://schemas.openxmlformats.org/package/2006/metadata/core-properties" xmlns:xsd="http://www.w3.org/2001/XMLSchema" xmlns:xsi="http://www.w3.org/2001/XMLSchema-instance" xmlns:dc="http://purl.org/dc/elements/1.1/" xmlns:dcterms="http://purl.org/dc/terms/" xmlns:odoc="http://schemas.microsoft.com/internal/obd" targetNamespace="http://schemas.openxmlformats.org/package/2006/metadata/core-properties" elementFormDefault="qualified" attributeFormDefault="unqualified" blockDefault="#all">
-    <xsd:import namespace="http://purl.org/dc/elements/1.1/" schemaLocation="http://dublincore.org/schemas/xmls/qdc/2003/04/02/dc.xsd"/>
-    <xsd:import namespace="http://purl.org/dc/terms/" schemaLocation="http://dublincore.org/schemas/xmls/qdc/2003/04/02/dcterms.xsd"/>
-    <xsd:element name="coreProperties" type="CT_coreProperties"/>
-    <xsd:complexType name="CT_coreProperties">
-      <xsd:all>
-        <xsd:element ref="dc:creator" minOccurs="0" maxOccurs="1"/>
-        <xsd:element ref="dcterms:created" minOccurs="0" maxOccurs="1"/>
-        <xsd:element ref="dc:identifier" minOccurs="0" maxOccurs="1"/>
-        <xsd:element name="contentType" minOccurs="0" maxOccurs="1" type="xsd:string" ma:index="0" ma:displayName="Content Type"/>
-        <xsd:element ref="dc:title" minOccurs="0" maxOccurs="1" ma:index="4" ma:displayName="Title"/>
-        <xsd:element ref="dc:subject" minOccurs="0" maxOccurs="1"/>
-        <xsd:element ref="dc:description" minOccurs="0" maxOccurs="1"/>
-        <xsd:element name="keywords" minOccurs="0" maxOccurs="1" type="xsd:string"/>
-        <xsd:element ref="dc:language" minOccurs="0" maxOccurs="1"/>
-        <xsd:element name="category" minOccurs="0" maxOccurs="1" type="xsd:string"/>
-        <xsd:element name="version" minOccurs="0" maxOccurs="1" type="xsd:string"/>
-        <xsd:element name="revision" minOccurs="0" maxOccurs="1" type="xsd:string">
-          <xsd:annotation>
-            <xsd:documentation>
-                        This value indicates the number of saves or revisions. The application is responsible for updating this value after each revision.
-                    </xsd:documentation>
-          </xsd:annotation>
-        </xsd:element>
-        <xsd:element name="lastModifiedBy" minOccurs="0" maxOccurs="1" type="xsd:string"/>
-        <xsd:element ref="dcterms:modified" minOccurs="0" maxOccurs="1"/>
-        <xsd:element name="contentStatus" minOccurs="0" maxOccurs="1" type="xsd:string"/>
-      </xsd:all>
-    </xsd:complexType>
-  </xsd:schema>
-  <xs:schema xmlns:pc="http://schemas.microsoft.com/office/infopath/2007/PartnerControls" xmlns:xs="http://www.w3.org/2001/XMLSchema" targetNamespace="http://schemas.microsoft.com/office/infopath/2007/PartnerControls" elementFormDefault="qualified" attributeFormDefault="unqualified">
-    <xs:element name="Person">
-      <xs:complexType>
-        <xs:sequence>
-          <xs:element ref="pc:DisplayName" minOccurs="0"/>
-          <xs:element ref="pc:AccountId" minOccurs="0"/>
-          <xs:element ref="pc:AccountType" minOccurs="0"/>
-        </xs:sequence>
-      </xs:complexType>
-    </xs:element>
-    <xs:element name="DisplayName" type="xs:string"/>
-    <xs:element name="AccountId" type="xs:string"/>
-    <xs:element name="AccountType" type="xs:string"/>
-    <xs:element name="BDCAssociatedEntity">
-      <xs:complexType>
-        <xs:sequence>
-          <xs:element ref="pc:BDCEntity" minOccurs="0" maxOccurs="unbounded"/>
-        </xs:sequence>
-        <xs:attribute ref="pc:EntityNamespace"/>
-        <xs:attribute ref="pc:EntityName"/>
-        <xs:attribute ref="pc:SystemInstanceName"/>
-        <xs:attribute ref="pc:AssociationName"/>
-      </xs:complexType>
-    </xs:element>
-    <xs:attribute name="EntityNamespace" type="xs:string"/>
-    <xs:attribute name="EntityName" type="xs:string"/>
-    <xs:attribute name="SystemInstanceName" type="xs:string"/>
-    <xs:attribute name="AssociationName" type="xs:string"/>
-    <xs:element name="BDCEntity">
-      <xs:complexType>
-        <xs:sequence>
-          <xs:element ref="pc:EntityDisplayName" minOccurs="0"/>
-          <xs:element ref="pc:EntityInstanceReference" minOccurs="0"/>
-          <xs:element ref="pc:EntityId1" minOccurs="0"/>
-          <xs:element ref="pc:EntityId2" minOccurs="0"/>
-          <xs:element ref="pc:EntityId3" minOccurs="0"/>
-          <xs:element ref="pc:EntityId4" minOccurs="0"/>
-          <xs:element ref="pc:EntityId5" minOccurs="0"/>
-        </xs:sequence>
-      </xs:complexType>
-    </xs:element>
-    <xs:element name="EntityDisplayName" type="xs:string"/>
-    <xs:element name="EntityInstanceReference" type="xs:string"/>
-    <xs:element name="EntityId1" type="xs:string"/>
-    <xs:element name="EntityId2" type="xs:string"/>
-    <xs:element name="EntityId3" type="xs:string"/>
-    <xs:element name="EntityId4" type="xs:string"/>
-    <xs:element name="EntityId5" type="xs:string"/>
-    <xs:element name="Terms">
-      <xs:complexType>
-        <xs:sequence>
-          <xs:element ref="pc:TermInfo" minOccurs="0" maxOccurs="unbounded"/>
-        </xs:sequence>
-      </xs:complexType>
-    </xs:element>
-    <xs:element name="TermInfo">
-      <xs:complexType>
-        <xs:sequence>
-          <xs:element ref="pc:TermName" minOccurs="0"/>
-          <xs:element ref="pc:TermId" minOccurs="0"/>
-        </xs:sequence>
-      </xs:complexType>
-    </xs:element>
-    <xs:element name="TermName" type="xs:string"/>
-    <xs:element name="TermId" type="xs:string"/>
-  </xs:schema>
-</ct:contentTypeSchema>
-</file>
-
-<file path=customXml/item2.xml><?xml version="1.0" encoding="utf-8"?>
-<p:properties xmlns:p="http://schemas.microsoft.com/office/2006/metadata/properties" xmlns:xsi="http://www.w3.org/2001/XMLSchema-instance" xmlns:pc="http://schemas.microsoft.com/office/infopath/2007/PartnerControls">
-  <documentManagement/>
-</p:properties>
-</file>
-
-<file path=customXml/item3.xml><?xml version="1.0" encoding="utf-8"?>
-<?mso-contentType ?>
-<FormTemplates xmlns="http://schemas.microsoft.com/sharepoint/v3/contenttype/forms">
-  <Display>DocumentLibraryForm</Display>
-  <Edit>DocumentLibraryForm</Edit>
-  <New>DocumentLibraryForm</New>
-</FormTemplates>
-</file>
-
-<file path=customXml/itemProps1.xml><?xml version="1.0" encoding="utf-8"?>
-<ds:datastoreItem xmlns:ds="http://schemas.openxmlformats.org/officeDocument/2006/customXml" ds:itemID="{5C5B1280-E26C-413E-9C75-FA5A643C53A9}">
-  <ds:schemaRefs>
-    <ds:schemaRef ds:uri="http://schemas.microsoft.com/office/2006/metadata/contentType"/>
-    <ds:schemaRef ds:uri="http://schemas.microsoft.com/office/2006/metadata/properties/metaAttributes"/>
-    <ds:schemaRef ds:uri="http://www.w3.org/2001/XMLSchema"/>
-    <ds:schemaRef ds:uri="http://schemas.microsoft.com/office/2006/metadata/properties"/>
-    <ds:schemaRef ds:uri="16f12a20-e7a9-4421-ae16-d8c44e1cf3e3"/>
-    <ds:schemaRef ds:uri="http://schemas.microsoft.com/office/2006/documentManagement/types"/>
-    <ds:schemaRef ds:uri="http://schemas.microsoft.com/office/infopath/2007/PartnerControls"/>
-    <ds:schemaRef ds:uri="http://schemas.openxmlformats.org/package/2006/metadata/core-properties"/>
-    <ds:schemaRef ds:uri="http://purl.org/dc/elements/1.1/"/>
-    <ds:schemaRef ds:uri="http://purl.org/dc/terms/"/>
-    <ds:schemaRef ds:uri="http://schemas.microsoft.com/internal/obd"/>
-  </ds:schemaRefs>
-</ds:datastoreItem>
-</file>
-
-<file path=customXml/itemProps2.xml><?xml version="1.0" encoding="utf-8"?>
-<ds:datastoreItem xmlns:ds="http://schemas.openxmlformats.org/officeDocument/2006/customXml" ds:itemID="{24312C26-CF31-4458-B4E4-FED9A1DACECE}">
-  <ds:schemaRefs>
-    <ds:schemaRef ds:uri="http://schemas.microsoft.com/office/2006/metadata/properties"/>
-    <ds:schemaRef ds:uri="http://schemas.microsoft.com/office/infopath/2007/PartnerControls"/>
-  </ds:schemaRefs>
-</ds:datastoreItem>
-</file>
-
-<file path=customXml/itemProps3.xml><?xml version="1.0" encoding="utf-8"?>
-<ds:datastoreItem xmlns:ds="http://schemas.openxmlformats.org/officeDocument/2006/customXml" ds:itemID="{8A85448F-D2F9-475F-A55D-CCD7E21E4EE8}">
-  <ds:schemaRefs>
-    <ds:schemaRef ds:uri="http://schemas.microsoft.com/sharepoint/v3/contenttype/forms"/>
-  </ds:schemaRefs>
-</ds:datastoreItem>
 </file>